--- a/blog/digital_education_evolution/images/pic.pptx
+++ b/blog/digital_education_evolution/images/pic.pptx
@@ -8,6 +8,7 @@
     <p:sldId id="256" r:id="rId2"/>
     <p:sldId id="257" r:id="rId3"/>
     <p:sldId id="258" r:id="rId4"/>
+    <p:sldId id="259" r:id="rId5"/>
   </p:sldIdLst>
   <p:sldSz cx="9144000" cy="6858000" type="screen4x3"/>
   <p:notesSz cx="6858000" cy="9144000"/>
@@ -290,7 +291,7 @@
           <a:p>
             <a:fld id="{B4C71EC6-210F-42DE-9C53-41977AD35B3D}" type="datetimeFigureOut">
               <a:rPr lang="ru-RU" smtClean="0"/>
-              <a:t>07.11.2018</a:t>
+              <a:t>20.11.2018</a:t>
             </a:fld>
             <a:endParaRPr lang="ru-RU"/>
           </a:p>
@@ -455,7 +456,7 @@
           <a:p>
             <a:fld id="{B4C71EC6-210F-42DE-9C53-41977AD35B3D}" type="datetimeFigureOut">
               <a:rPr lang="ru-RU" smtClean="0"/>
-              <a:t>07.11.2018</a:t>
+              <a:t>20.11.2018</a:t>
             </a:fld>
             <a:endParaRPr lang="ru-RU"/>
           </a:p>
@@ -630,7 +631,7 @@
           <a:p>
             <a:fld id="{B4C71EC6-210F-42DE-9C53-41977AD35B3D}" type="datetimeFigureOut">
               <a:rPr lang="ru-RU" smtClean="0"/>
-              <a:t>07.11.2018</a:t>
+              <a:t>20.11.2018</a:t>
             </a:fld>
             <a:endParaRPr lang="ru-RU"/>
           </a:p>
@@ -795,7 +796,7 @@
           <a:p>
             <a:fld id="{B4C71EC6-210F-42DE-9C53-41977AD35B3D}" type="datetimeFigureOut">
               <a:rPr lang="ru-RU" smtClean="0"/>
-              <a:t>07.11.2018</a:t>
+              <a:t>20.11.2018</a:t>
             </a:fld>
             <a:endParaRPr lang="ru-RU"/>
           </a:p>
@@ -1036,7 +1037,7 @@
           <a:p>
             <a:fld id="{B4C71EC6-210F-42DE-9C53-41977AD35B3D}" type="datetimeFigureOut">
               <a:rPr lang="ru-RU" smtClean="0"/>
-              <a:t>07.11.2018</a:t>
+              <a:t>20.11.2018</a:t>
             </a:fld>
             <a:endParaRPr lang="ru-RU"/>
           </a:p>
@@ -1319,7 +1320,7 @@
           <a:p>
             <a:fld id="{B4C71EC6-210F-42DE-9C53-41977AD35B3D}" type="datetimeFigureOut">
               <a:rPr lang="ru-RU" smtClean="0"/>
-              <a:t>07.11.2018</a:t>
+              <a:t>20.11.2018</a:t>
             </a:fld>
             <a:endParaRPr lang="ru-RU"/>
           </a:p>
@@ -1736,7 +1737,7 @@
           <a:p>
             <a:fld id="{B4C71EC6-210F-42DE-9C53-41977AD35B3D}" type="datetimeFigureOut">
               <a:rPr lang="ru-RU" smtClean="0"/>
-              <a:t>07.11.2018</a:t>
+              <a:t>20.11.2018</a:t>
             </a:fld>
             <a:endParaRPr lang="ru-RU"/>
           </a:p>
@@ -1849,7 +1850,7 @@
           <a:p>
             <a:fld id="{B4C71EC6-210F-42DE-9C53-41977AD35B3D}" type="datetimeFigureOut">
               <a:rPr lang="ru-RU" smtClean="0"/>
-              <a:t>07.11.2018</a:t>
+              <a:t>20.11.2018</a:t>
             </a:fld>
             <a:endParaRPr lang="ru-RU"/>
           </a:p>
@@ -1939,7 +1940,7 @@
           <a:p>
             <a:fld id="{B4C71EC6-210F-42DE-9C53-41977AD35B3D}" type="datetimeFigureOut">
               <a:rPr lang="ru-RU" smtClean="0"/>
-              <a:t>07.11.2018</a:t>
+              <a:t>20.11.2018</a:t>
             </a:fld>
             <a:endParaRPr lang="ru-RU"/>
           </a:p>
@@ -2211,7 +2212,7 @@
           <a:p>
             <a:fld id="{B4C71EC6-210F-42DE-9C53-41977AD35B3D}" type="datetimeFigureOut">
               <a:rPr lang="ru-RU" smtClean="0"/>
-              <a:t>07.11.2018</a:t>
+              <a:t>20.11.2018</a:t>
             </a:fld>
             <a:endParaRPr lang="ru-RU"/>
           </a:p>
@@ -2459,7 +2460,7 @@
           <a:p>
             <a:fld id="{B4C71EC6-210F-42DE-9C53-41977AD35B3D}" type="datetimeFigureOut">
               <a:rPr lang="ru-RU" smtClean="0"/>
-              <a:t>07.11.2018</a:t>
+              <a:t>20.11.2018</a:t>
             </a:fld>
             <a:endParaRPr lang="ru-RU"/>
           </a:p>
@@ -2667,7 +2668,7 @@
           <a:p>
             <a:fld id="{B4C71EC6-210F-42DE-9C53-41977AD35B3D}" type="datetimeFigureOut">
               <a:rPr lang="ru-RU" smtClean="0"/>
-              <a:t>07.11.2018</a:t>
+              <a:t>20.11.2018</a:t>
             </a:fld>
             <a:endParaRPr lang="ru-RU"/>
           </a:p>
@@ -3562,9 +3563,6 @@
               </a:rPr>
               <a:t>всего за одно поколение</a:t>
             </a:r>
-            <a:endParaRPr lang="ru-RU" sz="2800" dirty="0" smtClean="0">
-              <a:latin typeface="Muller Black" pitchFamily="50" charset="-52"/>
-            </a:endParaRPr>
           </a:p>
         </p:txBody>
       </p:sp>
@@ -3939,9 +3937,6 @@
               </a:rPr>
               <a:t>Управление талантами</a:t>
             </a:r>
-            <a:endParaRPr lang="ru-RU" sz="1400" dirty="0" smtClean="0">
-              <a:latin typeface="Muller Bold" pitchFamily="50" charset="-52"/>
-            </a:endParaRPr>
           </a:p>
         </p:txBody>
       </p:sp>
@@ -3974,9 +3969,6 @@
               </a:rPr>
               <a:t>Непрерывное обучение</a:t>
             </a:r>
-            <a:endParaRPr lang="ru-RU" sz="1400" dirty="0" smtClean="0">
-              <a:latin typeface="Muller Bold" pitchFamily="50" charset="-52"/>
-            </a:endParaRPr>
           </a:p>
         </p:txBody>
       </p:sp>
@@ -4018,9 +4010,6 @@
               </a:rPr>
               <a:t>обучение</a:t>
             </a:r>
-            <a:endParaRPr lang="ru-RU" sz="1400" dirty="0" smtClean="0">
-              <a:latin typeface="Muller Bold" pitchFamily="50" charset="-52"/>
-            </a:endParaRPr>
           </a:p>
         </p:txBody>
       </p:sp>
@@ -4062,9 +4051,6 @@
               </a:rPr>
               <a:t>обучение</a:t>
             </a:r>
-            <a:endParaRPr lang="ru-RU" sz="1400" dirty="0" smtClean="0">
-              <a:latin typeface="Muller Bold" pitchFamily="50" charset="-52"/>
-            </a:endParaRPr>
           </a:p>
         </p:txBody>
       </p:sp>
@@ -4397,9 +4383,6 @@
               </a:rPr>
               <a:t>платформа</a:t>
             </a:r>
-            <a:endParaRPr lang="ru-RU" sz="1100" dirty="0" smtClean="0">
-              <a:latin typeface="Muller Bold" pitchFamily="50" charset="-52"/>
-            </a:endParaRPr>
           </a:p>
         </p:txBody>
       </p:sp>
@@ -4438,9 +4421,6 @@
               </a:rPr>
               <a:t>как платформа Талантов</a:t>
             </a:r>
-            <a:endParaRPr lang="ru-RU" sz="1100" dirty="0" smtClean="0">
-              <a:latin typeface="Muller Bold" pitchFamily="50" charset="-52"/>
-            </a:endParaRPr>
           </a:p>
         </p:txBody>
       </p:sp>
@@ -4479,9 +4459,6 @@
               </a:rPr>
               <a:t>как платформа опыта</a:t>
             </a:r>
-            <a:endParaRPr lang="ru-RU" sz="1100" dirty="0" smtClean="0">
-              <a:latin typeface="Muller Bold" pitchFamily="50" charset="-52"/>
-            </a:endParaRPr>
           </a:p>
         </p:txBody>
       </p:sp>
@@ -4529,9 +4506,6 @@
               </a:rPr>
               <a:t>Мобильное обучение</a:t>
             </a:r>
-            <a:endParaRPr lang="ru-RU" sz="1100" dirty="0" smtClean="0">
-              <a:latin typeface="Muller Bold" pitchFamily="50" charset="-52"/>
-            </a:endParaRPr>
           </a:p>
         </p:txBody>
       </p:sp>
@@ -4796,9 +4770,6 @@
               </a:rPr>
               <a:t>Киркпатрик</a:t>
             </a:r>
-            <a:endParaRPr lang="ru-RU" sz="1100" dirty="0" smtClean="0">
-              <a:latin typeface="Muller Bold" pitchFamily="50" charset="-52"/>
-            </a:endParaRPr>
           </a:p>
         </p:txBody>
       </p:sp>
@@ -4858,9 +4829,6 @@
               </a:rPr>
               <a:t>обучение</a:t>
             </a:r>
-            <a:endParaRPr lang="ru-RU" sz="1100" dirty="0" smtClean="0">
-              <a:latin typeface="Muller Bold" pitchFamily="50" charset="-52"/>
-            </a:endParaRPr>
           </a:p>
         </p:txBody>
       </p:sp>
@@ -5057,9 +5025,6 @@
               </a:rPr>
               <a:t>Видео</a:t>
             </a:r>
-            <a:endParaRPr lang="ru-RU" sz="1100" dirty="0" smtClean="0">
-              <a:latin typeface="Muller Bold" pitchFamily="50" charset="-52"/>
-            </a:endParaRPr>
           </a:p>
         </p:txBody>
       </p:sp>
@@ -5265,6 +5230,84 @@
     <p:extLst>
       <p:ext uri="{BB962C8B-B14F-4D97-AF65-F5344CB8AC3E}">
         <p14:creationId xmlns:p14="http://schemas.microsoft.com/office/powerpoint/2010/main" val="1519357002"/>
+      </p:ext>
+    </p:extLst>
+  </p:cSld>
+  <p:clrMapOvr>
+    <a:masterClrMapping/>
+  </p:clrMapOvr>
+  <p:timing>
+    <p:tnLst>
+      <p:par>
+        <p:cTn id="1" dur="indefinite" restart="never" nodeType="tmRoot"/>
+      </p:par>
+    </p:tnLst>
+  </p:timing>
+</p:sld>
+</file>
+
+<file path=ppt/slides/slide4.xml><?xml version="1.0" encoding="utf-8"?>
+<p:sld xmlns:a="http://schemas.openxmlformats.org/drawingml/2006/main" xmlns:r="http://schemas.openxmlformats.org/officeDocument/2006/relationships" xmlns:p="http://schemas.openxmlformats.org/presentationml/2006/main">
+  <p:cSld>
+    <p:spTree>
+      <p:nvGrpSpPr>
+        <p:cNvPr id="1" name=""/>
+        <p:cNvGrpSpPr/>
+        <p:nvPr/>
+      </p:nvGrpSpPr>
+      <p:grpSpPr>
+        <a:xfrm>
+          <a:off x="0" y="0"/>
+          <a:ext cx="0" cy="0"/>
+          <a:chOff x="0" y="0"/>
+          <a:chExt cx="0" cy="0"/>
+        </a:xfrm>
+      </p:grpSpPr>
+      <p:pic>
+        <p:nvPicPr>
+          <p:cNvPr id="1027" name="Picture 3" descr="C:\Users\mark\Desktop\eduquizmain.jpg"/>
+          <p:cNvPicPr>
+            <a:picLocks noChangeAspect="1" noChangeArrowheads="1"/>
+          </p:cNvPicPr>
+          <p:nvPr/>
+        </p:nvPicPr>
+        <p:blipFill>
+          <a:blip r:embed="rId2">
+            <a:extLst>
+              <a:ext uri="{28A0092B-C50C-407E-A947-70E740481C1C}">
+                <a14:useLocalDpi xmlns:a14="http://schemas.microsoft.com/office/drawing/2010/main" val="0"/>
+              </a:ext>
+            </a:extLst>
+          </a:blip>
+          <a:srcRect/>
+          <a:stretch>
+            <a:fillRect/>
+          </a:stretch>
+        </p:blipFill>
+        <p:spPr bwMode="auto">
+          <a:xfrm>
+            <a:off x="2072928" y="428"/>
+            <a:ext cx="4680520" cy="8320924"/>
+          </a:xfrm>
+          <a:prstGeom prst="rect">
+            <a:avLst/>
+          </a:prstGeom>
+          <a:noFill/>
+          <a:extLst>
+            <a:ext uri="{909E8E84-426E-40DD-AFC4-6F175D3DCCD1}">
+              <a14:hiddenFill xmlns:a14="http://schemas.microsoft.com/office/drawing/2010/main">
+                <a:solidFill>
+                  <a:srgbClr val="FFFFFF"/>
+                </a:solidFill>
+              </a14:hiddenFill>
+            </a:ext>
+          </a:extLst>
+        </p:spPr>
+      </p:pic>
+    </p:spTree>
+    <p:extLst>
+      <p:ext uri="{BB962C8B-B14F-4D97-AF65-F5344CB8AC3E}">
+        <p14:creationId xmlns:p14="http://schemas.microsoft.com/office/powerpoint/2010/main" val="29705074"/>
       </p:ext>
     </p:extLst>
   </p:cSld>
